--- a/certificates/_sample.pptx
+++ b/certificates/_sample.pptx
@@ -2966,6 +2966,225 @@
           <a:chExt cx="0" cy="0"/>
         </a:xfrm>
       </p:grpSpPr>
+      <p:pic>
+        <p:nvPicPr>
+          <p:cNvPr id="13" name="Picture 12" descr="A computer screen with many colorful squares&#10;&#10;Description automatically generated with medium confidence">
+            <a:extLst>
+              <a:ext uri="{FF2B5EF4-FFF2-40B4-BE49-F238E27FC236}">
+                <a16:creationId xmlns:a16="http://schemas.microsoft.com/office/drawing/2014/main" id="{B139154D-6C49-B0B0-C580-E4F73CC2DB19}"/>
+              </a:ext>
+            </a:extLst>
+          </p:cNvPr>
+          <p:cNvPicPr>
+            <a:picLocks noChangeAspect="1"/>
+          </p:cNvPicPr>
+          <p:nvPr/>
+        </p:nvPicPr>
+        <p:blipFill>
+          <a:blip r:embed="rId2">
+            <a:extLst>
+              <a:ext uri="{28A0092B-C50C-407E-A947-70E740481C1C}">
+                <a14:useLocalDpi xmlns:a14="http://schemas.microsoft.com/office/drawing/2010/main" val="0"/>
+              </a:ext>
+            </a:extLst>
+          </a:blip>
+          <a:stretch>
+            <a:fillRect/>
+          </a:stretch>
+        </p:blipFill>
+        <p:spPr>
+          <a:xfrm>
+            <a:off x="8223078" y="0"/>
+            <a:ext cx="2468879" cy="2468880"/>
+          </a:xfrm>
+          <a:prstGeom prst="rect">
+            <a:avLst/>
+          </a:prstGeom>
+        </p:spPr>
+      </p:pic>
+      <p:pic>
+        <p:nvPicPr>
+          <p:cNvPr id="19" name="Picture 18" descr="A colorful network of dots and lines&#10;&#10;Description automatically generated">
+            <a:extLst>
+              <a:ext uri="{FF2B5EF4-FFF2-40B4-BE49-F238E27FC236}">
+                <a16:creationId xmlns:a16="http://schemas.microsoft.com/office/drawing/2014/main" id="{167BAEFF-134B-3089-52B7-B1E9203BFC00}"/>
+              </a:ext>
+            </a:extLst>
+          </p:cNvPr>
+          <p:cNvPicPr>
+            <a:picLocks noChangeAspect="1"/>
+          </p:cNvPicPr>
+          <p:nvPr/>
+        </p:nvPicPr>
+        <p:blipFill>
+          <a:blip r:embed="rId3">
+            <a:extLst>
+              <a:ext uri="{28A0092B-C50C-407E-A947-70E740481C1C}">
+                <a14:useLocalDpi xmlns:a14="http://schemas.microsoft.com/office/drawing/2010/main" val="0"/>
+              </a:ext>
+            </a:extLst>
+          </a:blip>
+          <a:stretch>
+            <a:fillRect/>
+          </a:stretch>
+        </p:blipFill>
+        <p:spPr>
+          <a:xfrm>
+            <a:off x="8222933" y="5088383"/>
+            <a:ext cx="2468880" cy="2468880"/>
+          </a:xfrm>
+          <a:prstGeom prst="rect">
+            <a:avLst/>
+          </a:prstGeom>
+        </p:spPr>
+      </p:pic>
+      <p:pic>
+        <p:nvPicPr>
+          <p:cNvPr id="23" name="Picture 22" descr="A computer monitor with graphics on it&#10;&#10;Description automatically generated">
+            <a:extLst>
+              <a:ext uri="{FF2B5EF4-FFF2-40B4-BE49-F238E27FC236}">
+                <a16:creationId xmlns:a16="http://schemas.microsoft.com/office/drawing/2014/main" id="{C6A4E14B-85F9-0204-FD4A-13321F93C809}"/>
+              </a:ext>
+            </a:extLst>
+          </p:cNvPr>
+          <p:cNvPicPr>
+            <a:picLocks noChangeAspect="1"/>
+          </p:cNvPicPr>
+          <p:nvPr/>
+        </p:nvPicPr>
+        <p:blipFill>
+          <a:blip r:embed="rId4">
+            <a:extLst>
+              <a:ext uri="{28A0092B-C50C-407E-A947-70E740481C1C}">
+                <a14:useLocalDpi xmlns:a14="http://schemas.microsoft.com/office/drawing/2010/main" val="0"/>
+              </a:ext>
+            </a:extLst>
+          </a:blip>
+          <a:stretch>
+            <a:fillRect/>
+          </a:stretch>
+        </p:blipFill>
+        <p:spPr>
+          <a:xfrm>
+            <a:off x="8228754" y="2544192"/>
+            <a:ext cx="2468879" cy="2468880"/>
+          </a:xfrm>
+          <a:prstGeom prst="rect">
+            <a:avLst/>
+          </a:prstGeom>
+        </p:spPr>
+      </p:pic>
+      <p:pic>
+        <p:nvPicPr>
+          <p:cNvPr id="21" name="Picture 20" descr="A computer with connected circles and dots&#10;&#10;Description automatically generated">
+            <a:extLst>
+              <a:ext uri="{FF2B5EF4-FFF2-40B4-BE49-F238E27FC236}">
+                <a16:creationId xmlns:a16="http://schemas.microsoft.com/office/drawing/2014/main" id="{1AF07C44-68D3-1F7D-C92F-C71FDD8BA4FE}"/>
+              </a:ext>
+            </a:extLst>
+          </p:cNvPr>
+          <p:cNvPicPr>
+            <a:picLocks noChangeAspect="1"/>
+          </p:cNvPicPr>
+          <p:nvPr/>
+        </p:nvPicPr>
+        <p:blipFill>
+          <a:blip r:embed="rId5">
+            <a:extLst>
+              <a:ext uri="{28A0092B-C50C-407E-A947-70E740481C1C}">
+                <a14:useLocalDpi xmlns:a14="http://schemas.microsoft.com/office/drawing/2010/main" val="0"/>
+              </a:ext>
+            </a:extLst>
+          </a:blip>
+          <a:stretch>
+            <a:fillRect/>
+          </a:stretch>
+        </p:blipFill>
+        <p:spPr>
+          <a:xfrm>
+            <a:off x="2065" y="2546488"/>
+            <a:ext cx="2468880" cy="2468880"/>
+          </a:xfrm>
+          <a:prstGeom prst="rect">
+            <a:avLst/>
+          </a:prstGeom>
+        </p:spPr>
+      </p:pic>
+      <p:pic>
+        <p:nvPicPr>
+          <p:cNvPr id="11" name="Picture 10" descr="A snake wrapped around a computer&#10;&#10;Description automatically generated">
+            <a:extLst>
+              <a:ext uri="{FF2B5EF4-FFF2-40B4-BE49-F238E27FC236}">
+                <a16:creationId xmlns:a16="http://schemas.microsoft.com/office/drawing/2014/main" id="{BFA8DF0C-1819-7DF3-A8CD-ADE93F5C3D32}"/>
+              </a:ext>
+            </a:extLst>
+          </p:cNvPr>
+          <p:cNvPicPr>
+            <a:picLocks noChangeAspect="1"/>
+          </p:cNvPicPr>
+          <p:nvPr/>
+        </p:nvPicPr>
+        <p:blipFill>
+          <a:blip r:embed="rId6">
+            <a:extLst>
+              <a:ext uri="{28A0092B-C50C-407E-A947-70E740481C1C}">
+                <a14:useLocalDpi xmlns:a14="http://schemas.microsoft.com/office/drawing/2010/main" val="0"/>
+              </a:ext>
+            </a:extLst>
+          </a:blip>
+          <a:stretch>
+            <a:fillRect/>
+          </a:stretch>
+        </p:blipFill>
+        <p:spPr>
+          <a:xfrm>
+            <a:off x="1523" y="0"/>
+            <a:ext cx="2468880" cy="2468880"/>
+          </a:xfrm>
+          <a:prstGeom prst="rect">
+            <a:avLst/>
+          </a:prstGeom>
+        </p:spPr>
+      </p:pic>
+      <p:pic>
+        <p:nvPicPr>
+          <p:cNvPr id="17" name="Picture 16" descr="A group of dice falling&#10;&#10;Description automatically generated">
+            <a:extLst>
+              <a:ext uri="{FF2B5EF4-FFF2-40B4-BE49-F238E27FC236}">
+                <a16:creationId xmlns:a16="http://schemas.microsoft.com/office/drawing/2014/main" id="{BA08951F-39C0-32BC-BE51-E72E097B3FD3}"/>
+              </a:ext>
+            </a:extLst>
+          </p:cNvPr>
+          <p:cNvPicPr>
+            <a:picLocks noChangeAspect="1"/>
+          </p:cNvPicPr>
+          <p:nvPr/>
+        </p:nvPicPr>
+        <p:blipFill>
+          <a:blip r:embed="rId7">
+            <a:extLst>
+              <a:ext uri="{28A0092B-C50C-407E-A947-70E740481C1C}">
+                <a14:useLocalDpi xmlns:a14="http://schemas.microsoft.com/office/drawing/2010/main" val="0"/>
+              </a:ext>
+            </a:extLst>
+          </a:blip>
+          <a:stretch>
+            <a:fillRect/>
+          </a:stretch>
+        </p:blipFill>
+        <p:spPr>
+          <a:xfrm>
+            <a:off x="-3910" y="5092976"/>
+            <a:ext cx="2468880" cy="2468880"/>
+          </a:xfrm>
+          <a:prstGeom prst="rect">
+            <a:avLst/>
+          </a:prstGeom>
+          <a:effectLst>
+            <a:softEdge rad="317500"/>
+          </a:effectLst>
+        </p:spPr>
+      </p:pic>
       <p:grpSp>
         <p:nvGrpSpPr>
           <p:cNvPr id="27" name="Graphic 3">
@@ -2983,8 +3202,8 @@
         </p:nvGrpSpPr>
         <p:grpSpPr>
           <a:xfrm>
-            <a:off x="2512857" y="910916"/>
-            <a:ext cx="5666102" cy="5737846"/>
+            <a:off x="2303097" y="698500"/>
+            <a:ext cx="6085622" cy="6162678"/>
             <a:chOff x="0" y="0"/>
             <a:chExt cx="5067980" cy="5126458"/>
           </a:xfrm>
@@ -3917,7 +4136,7 @@
         </p:nvSpPr>
         <p:spPr>
           <a:xfrm>
-            <a:off x="2995681" y="1400653"/>
+            <a:off x="2995681" y="816453"/>
             <a:ext cx="4700454" cy="699615"/>
           </a:xfrm>
           <a:prstGeom prst="rect">
@@ -3970,7 +4189,7 @@
         </p:nvSpPr>
         <p:spPr>
           <a:xfrm>
-            <a:off x="3832801" y="2724507"/>
+            <a:off x="3832801" y="2826107"/>
             <a:ext cx="3026213" cy="589136"/>
           </a:xfrm>
           <a:prstGeom prst="rect">
@@ -3999,49 +4218,6 @@
                 <a:cs typeface="Times New Roman" panose="02020603050405020304" pitchFamily="18" charset="0"/>
               </a:rPr>
               <a:t>This certifies that</a:t>
-            </a:r>
-          </a:p>
-        </p:txBody>
-      </p:sp>
-      <p:sp>
-        <p:nvSpPr>
-          <p:cNvPr id="7" name="TextBox 6">
-            <a:extLst>
-              <a:ext uri="{FF2B5EF4-FFF2-40B4-BE49-F238E27FC236}">
-                <a16:creationId xmlns:a16="http://schemas.microsoft.com/office/drawing/2014/main" id="{8D5FA1A4-2FCC-2344-9300-5630689240E6}"/>
-              </a:ext>
-            </a:extLst>
-          </p:cNvPr>
-          <p:cNvSpPr txBox="1"/>
-          <p:nvPr/>
-        </p:nvSpPr>
-        <p:spPr>
-          <a:xfrm>
-            <a:off x="1170384" y="3389781"/>
-            <a:ext cx="8093569" cy="740203"/>
-          </a:xfrm>
-          <a:prstGeom prst="rect">
-            <a:avLst/>
-          </a:prstGeom>
-          <a:noFill/>
-        </p:spPr>
-        <p:txBody>
-          <a:bodyPr wrap="square" rtlCol="0">
-            <a:spAutoFit/>
-          </a:bodyPr>
-          <a:lstStyle/>
-          <a:p>
-            <a:pPr algn="ctr"/>
-            <a:r>
-              <a:rPr lang="en-US" sz="4210" kern="100" dirty="0">
-                <a:solidFill>
-                  <a:srgbClr val="FFC000"/>
-                </a:solidFill>
-                <a:latin typeface="Calibri" panose="020F0502020204030204" pitchFamily="34" charset="0"/>
-                <a:ea typeface="Calibri" panose="020F0502020204030204" pitchFamily="34" charset="0"/>
-                <a:cs typeface="Times New Roman" panose="02020603050405020304" pitchFamily="18" charset="0"/>
-              </a:rPr>
-              <a:t>CHRISTIAN LACOMBE</a:t>
             </a:r>
           </a:p>
         </p:txBody>
@@ -4060,7 +4236,7 @@
         </p:nvSpPr>
         <p:spPr>
           <a:xfrm>
-            <a:off x="3507202" y="4206031"/>
+            <a:off x="3507202" y="4307631"/>
             <a:ext cx="3705438" cy="578172"/>
           </a:xfrm>
           <a:prstGeom prst="rect">
@@ -4085,225 +4261,6 @@
           </a:p>
         </p:txBody>
       </p:sp>
-      <p:pic>
-        <p:nvPicPr>
-          <p:cNvPr id="13" name="Picture 12" descr="A computer screen with many colorful squares&#10;&#10;Description automatically generated with medium confidence">
-            <a:extLst>
-              <a:ext uri="{FF2B5EF4-FFF2-40B4-BE49-F238E27FC236}">
-                <a16:creationId xmlns:a16="http://schemas.microsoft.com/office/drawing/2014/main" id="{B139154D-6C49-B0B0-C580-E4F73CC2DB19}"/>
-              </a:ext>
-            </a:extLst>
-          </p:cNvPr>
-          <p:cNvPicPr>
-            <a:picLocks noChangeAspect="1"/>
-          </p:cNvPicPr>
-          <p:nvPr/>
-        </p:nvPicPr>
-        <p:blipFill>
-          <a:blip r:embed="rId2">
-            <a:extLst>
-              <a:ext uri="{28A0092B-C50C-407E-A947-70E740481C1C}">
-                <a14:useLocalDpi xmlns:a14="http://schemas.microsoft.com/office/drawing/2010/main" val="0"/>
-              </a:ext>
-            </a:extLst>
-          </a:blip>
-          <a:stretch>
-            <a:fillRect/>
-          </a:stretch>
-        </p:blipFill>
-        <p:spPr>
-          <a:xfrm>
-            <a:off x="8369865" y="487016"/>
-            <a:ext cx="2097503" cy="2097504"/>
-          </a:xfrm>
-          <a:prstGeom prst="rect">
-            <a:avLst/>
-          </a:prstGeom>
-        </p:spPr>
-      </p:pic>
-      <p:pic>
-        <p:nvPicPr>
-          <p:cNvPr id="19" name="Picture 18" descr="A colorful network of dots and lines&#10;&#10;Description automatically generated">
-            <a:extLst>
-              <a:ext uri="{FF2B5EF4-FFF2-40B4-BE49-F238E27FC236}">
-                <a16:creationId xmlns:a16="http://schemas.microsoft.com/office/drawing/2014/main" id="{167BAEFF-134B-3089-52B7-B1E9203BFC00}"/>
-              </a:ext>
-            </a:extLst>
-          </p:cNvPr>
-          <p:cNvPicPr>
-            <a:picLocks noChangeAspect="1"/>
-          </p:cNvPicPr>
-          <p:nvPr/>
-        </p:nvPicPr>
-        <p:blipFill>
-          <a:blip r:embed="rId3">
-            <a:extLst>
-              <a:ext uri="{28A0092B-C50C-407E-A947-70E740481C1C}">
-                <a14:useLocalDpi xmlns:a14="http://schemas.microsoft.com/office/drawing/2010/main" val="0"/>
-              </a:ext>
-            </a:extLst>
-          </a:blip>
-          <a:stretch>
-            <a:fillRect/>
-          </a:stretch>
-        </p:blipFill>
-        <p:spPr>
-          <a:xfrm>
-            <a:off x="8369865" y="4984683"/>
-            <a:ext cx="2097503" cy="2097503"/>
-          </a:xfrm>
-          <a:prstGeom prst="rect">
-            <a:avLst/>
-          </a:prstGeom>
-        </p:spPr>
-      </p:pic>
-      <p:pic>
-        <p:nvPicPr>
-          <p:cNvPr id="23" name="Picture 22" descr="A computer monitor with graphics on it&#10;&#10;Description automatically generated">
-            <a:extLst>
-              <a:ext uri="{FF2B5EF4-FFF2-40B4-BE49-F238E27FC236}">
-                <a16:creationId xmlns:a16="http://schemas.microsoft.com/office/drawing/2014/main" id="{C6A4E14B-85F9-0204-FD4A-13321F93C809}"/>
-              </a:ext>
-            </a:extLst>
-          </p:cNvPr>
-          <p:cNvPicPr>
-            <a:picLocks noChangeAspect="1"/>
-          </p:cNvPicPr>
-          <p:nvPr/>
-        </p:nvPicPr>
-        <p:blipFill>
-          <a:blip r:embed="rId4">
-            <a:extLst>
-              <a:ext uri="{28A0092B-C50C-407E-A947-70E740481C1C}">
-                <a14:useLocalDpi xmlns:a14="http://schemas.microsoft.com/office/drawing/2010/main" val="0"/>
-              </a:ext>
-            </a:extLst>
-          </a:blip>
-          <a:stretch>
-            <a:fillRect/>
-          </a:stretch>
-        </p:blipFill>
-        <p:spPr>
-          <a:xfrm>
-            <a:off x="8364987" y="2717101"/>
-            <a:ext cx="2094925" cy="2094926"/>
-          </a:xfrm>
-          <a:prstGeom prst="rect">
-            <a:avLst/>
-          </a:prstGeom>
-        </p:spPr>
-      </p:pic>
-      <p:pic>
-        <p:nvPicPr>
-          <p:cNvPr id="21" name="Picture 20" descr="A computer with connected circles and dots&#10;&#10;Description automatically generated">
-            <a:extLst>
-              <a:ext uri="{FF2B5EF4-FFF2-40B4-BE49-F238E27FC236}">
-                <a16:creationId xmlns:a16="http://schemas.microsoft.com/office/drawing/2014/main" id="{1AF07C44-68D3-1F7D-C92F-C71FDD8BA4FE}"/>
-              </a:ext>
-            </a:extLst>
-          </p:cNvPr>
-          <p:cNvPicPr>
-            <a:picLocks noChangeAspect="1"/>
-          </p:cNvPicPr>
-          <p:nvPr/>
-        </p:nvPicPr>
-        <p:blipFill>
-          <a:blip r:embed="rId5">
-            <a:extLst>
-              <a:ext uri="{28A0092B-C50C-407E-A947-70E740481C1C}">
-                <a14:useLocalDpi xmlns:a14="http://schemas.microsoft.com/office/drawing/2010/main" val="0"/>
-              </a:ext>
-            </a:extLst>
-          </a:blip>
-          <a:stretch>
-            <a:fillRect/>
-          </a:stretch>
-        </p:blipFill>
-        <p:spPr>
-          <a:xfrm>
-            <a:off x="226744" y="2733664"/>
-            <a:ext cx="2094925" cy="2094925"/>
-          </a:xfrm>
-          <a:prstGeom prst="rect">
-            <a:avLst/>
-          </a:prstGeom>
-        </p:spPr>
-      </p:pic>
-      <p:pic>
-        <p:nvPicPr>
-          <p:cNvPr id="11" name="Picture 10" descr="A snake wrapped around a computer&#10;&#10;Description automatically generated">
-            <a:extLst>
-              <a:ext uri="{FF2B5EF4-FFF2-40B4-BE49-F238E27FC236}">
-                <a16:creationId xmlns:a16="http://schemas.microsoft.com/office/drawing/2014/main" id="{BFA8DF0C-1819-7DF3-A8CD-ADE93F5C3D32}"/>
-              </a:ext>
-            </a:extLst>
-          </p:cNvPr>
-          <p:cNvPicPr>
-            <a:picLocks noChangeAspect="1"/>
-          </p:cNvPicPr>
-          <p:nvPr/>
-        </p:nvPicPr>
-        <p:blipFill>
-          <a:blip r:embed="rId6">
-            <a:extLst>
-              <a:ext uri="{28A0092B-C50C-407E-A947-70E740481C1C}">
-                <a14:useLocalDpi xmlns:a14="http://schemas.microsoft.com/office/drawing/2010/main" val="0"/>
-              </a:ext>
-            </a:extLst>
-          </a:blip>
-          <a:stretch>
-            <a:fillRect/>
-          </a:stretch>
-        </p:blipFill>
-        <p:spPr>
-          <a:xfrm>
-            <a:off x="226744" y="503579"/>
-            <a:ext cx="2097504" cy="2097504"/>
-          </a:xfrm>
-          <a:prstGeom prst="rect">
-            <a:avLst/>
-          </a:prstGeom>
-        </p:spPr>
-      </p:pic>
-      <p:pic>
-        <p:nvPicPr>
-          <p:cNvPr id="17" name="Picture 16" descr="A group of dice falling&#10;&#10;Description automatically generated">
-            <a:extLst>
-              <a:ext uri="{FF2B5EF4-FFF2-40B4-BE49-F238E27FC236}">
-                <a16:creationId xmlns:a16="http://schemas.microsoft.com/office/drawing/2014/main" id="{BA08951F-39C0-32BC-BE51-E72E097B3FD3}"/>
-              </a:ext>
-            </a:extLst>
-          </p:cNvPr>
-          <p:cNvPicPr>
-            <a:picLocks noChangeAspect="1"/>
-          </p:cNvPicPr>
-          <p:nvPr/>
-        </p:nvPicPr>
-        <p:blipFill>
-          <a:blip r:embed="rId7">
-            <a:extLst>
-              <a:ext uri="{28A0092B-C50C-407E-A947-70E740481C1C}">
-                <a14:useLocalDpi xmlns:a14="http://schemas.microsoft.com/office/drawing/2010/main" val="0"/>
-              </a:ext>
-            </a:extLst>
-          </a:blip>
-          <a:stretch>
-            <a:fillRect/>
-          </a:stretch>
-        </p:blipFill>
-        <p:spPr>
-          <a:xfrm>
-            <a:off x="224445" y="4970696"/>
-            <a:ext cx="2094925" cy="2094925"/>
-          </a:xfrm>
-          <a:prstGeom prst="rect">
-            <a:avLst/>
-          </a:prstGeom>
-          <a:effectLst>
-            <a:softEdge rad="317500"/>
-          </a:effectLst>
-        </p:spPr>
-      </p:pic>
       <p:sp>
         <p:nvSpPr>
           <p:cNvPr id="4" name="TextBox 3">
@@ -4318,7 +4275,7 @@
         </p:nvSpPr>
         <p:spPr>
           <a:xfrm>
-            <a:off x="2612777" y="4914071"/>
+            <a:off x="2612777" y="5333171"/>
             <a:ext cx="5435014" cy="423642"/>
           </a:xfrm>
           <a:prstGeom prst="rect">
@@ -4370,7 +4327,7 @@
         </p:nvSpPr>
         <p:spPr>
           <a:xfrm>
-            <a:off x="3573611" y="6017047"/>
+            <a:off x="3573611" y="6906047"/>
             <a:ext cx="3619773" cy="416268"/>
           </a:xfrm>
           <a:prstGeom prst="rect">
@@ -4425,6 +4382,49 @@
                 <a:cs typeface="Times New Roman" panose="02020603050405020304" pitchFamily="18" charset="0"/>
               </a:rPr>
               <a:t> September 2023, Barcelona</a:t>
+            </a:r>
+          </a:p>
+        </p:txBody>
+      </p:sp>
+      <p:sp>
+        <p:nvSpPr>
+          <p:cNvPr id="7" name="TextBox 6">
+            <a:extLst>
+              <a:ext uri="{FF2B5EF4-FFF2-40B4-BE49-F238E27FC236}">
+                <a16:creationId xmlns:a16="http://schemas.microsoft.com/office/drawing/2014/main" id="{8D5FA1A4-2FCC-2344-9300-5630689240E6}"/>
+              </a:ext>
+            </a:extLst>
+          </p:cNvPr>
+          <p:cNvSpPr txBox="1"/>
+          <p:nvPr/>
+        </p:nvSpPr>
+        <p:spPr>
+          <a:xfrm>
+            <a:off x="1170384" y="3491381"/>
+            <a:ext cx="8093569" cy="740203"/>
+          </a:xfrm>
+          <a:prstGeom prst="rect">
+            <a:avLst/>
+          </a:prstGeom>
+          <a:noFill/>
+        </p:spPr>
+        <p:txBody>
+          <a:bodyPr wrap="square" rtlCol="0">
+            <a:spAutoFit/>
+          </a:bodyPr>
+          <a:lstStyle/>
+          <a:p>
+            <a:pPr algn="ctr"/>
+            <a:r>
+              <a:rPr lang="en-US" sz="4210" kern="100" dirty="0">
+                <a:solidFill>
+                  <a:srgbClr val="FFC000"/>
+                </a:solidFill>
+                <a:latin typeface="Calibri" panose="020F0502020204030204" pitchFamily="34" charset="0"/>
+                <a:ea typeface="Calibri" panose="020F0502020204030204" pitchFamily="34" charset="0"/>
+                <a:cs typeface="Times New Roman" panose="02020603050405020304" pitchFamily="18" charset="0"/>
+              </a:rPr>
+              <a:t>CHRISTIAN LACOMBE</a:t>
             </a:r>
           </a:p>
         </p:txBody>

--- a/certificates/_sample.pptx
+++ b/certificates/_sample.pptx
@@ -3187,13 +3187,10 @@
       </p:pic>
       <p:grpSp>
         <p:nvGrpSpPr>
-          <p:cNvPr id="27" name="Graphic 3">
+          <p:cNvPr id="51" name="Group 50">
             <a:extLst>
               <a:ext uri="{FF2B5EF4-FFF2-40B4-BE49-F238E27FC236}">
-                <a16:creationId xmlns:a16="http://schemas.microsoft.com/office/drawing/2014/main" id="{8D63C09B-3816-9CA5-00EB-8953E2DE60C9}"/>
-              </a:ext>
-              <a:ext uri="{C183D7F6-B498-43B3-948B-1728B52AA6E4}">
-                <adec:decorative xmlns:adec="http://schemas.microsoft.com/office/drawing/2017/decorative" val="1"/>
+                <a16:creationId xmlns:a16="http://schemas.microsoft.com/office/drawing/2014/main" id="{699AE65C-AAD7-A802-642E-ED9B534C5BB7}"/>
               </a:ext>
             </a:extLst>
           </p:cNvPr>
@@ -3204,14 +3201,9 @@
           <a:xfrm>
             <a:off x="2303097" y="698500"/>
             <a:ext cx="6085622" cy="6162678"/>
-            <a:chOff x="0" y="0"/>
-            <a:chExt cx="5067980" cy="5126458"/>
+            <a:chOff x="2303097" y="698500"/>
+            <a:chExt cx="6085622" cy="6162678"/>
           </a:xfrm>
-          <a:solidFill>
-            <a:schemeClr val="bg1">
-              <a:lumMod val="95000"/>
-            </a:schemeClr>
-          </a:solidFill>
         </p:grpSpPr>
         <p:sp>
           <p:nvSpPr>
@@ -3227,8 +3219,8 @@
           </p:nvSpPr>
           <p:spPr>
             <a:xfrm>
-              <a:off x="64974" y="3169485"/>
-              <a:ext cx="1884249" cy="671737"/>
+              <a:off x="2381118" y="4508639"/>
+              <a:ext cx="2262603" cy="807516"/>
             </a:xfrm>
             <a:custGeom>
               <a:avLst/>
@@ -3292,7 +3284,11 @@
                 </a:path>
               </a:pathLst>
             </a:custGeom>
-            <a:grpFill/>
+            <a:solidFill>
+              <a:schemeClr val="bg1">
+                <a:lumMod val="95000"/>
+              </a:schemeClr>
+            </a:solidFill>
             <a:ln w="64889" cap="flat">
               <a:noFill/>
               <a:prstDash val="solid"/>
@@ -3326,8 +3322,8 @@
           </p:nvSpPr>
           <p:spPr>
             <a:xfrm>
-              <a:off x="0" y="1786789"/>
-              <a:ext cx="1377451" cy="1377451"/>
+              <a:off x="2303097" y="2846456"/>
+              <a:ext cx="1654041" cy="1655878"/>
             </a:xfrm>
             <a:custGeom>
               <a:avLst/>
@@ -3391,7 +3387,11 @@
                 </a:path>
               </a:pathLst>
             </a:custGeom>
-            <a:grpFill/>
+            <a:solidFill>
+              <a:schemeClr val="bg1">
+                <a:lumMod val="95000"/>
+              </a:schemeClr>
+            </a:solidFill>
             <a:ln w="64889" cap="flat">
               <a:noFill/>
               <a:prstDash val="solid"/>
@@ -3425,8 +3425,8 @@
           </p:nvSpPr>
           <p:spPr>
             <a:xfrm>
-              <a:off x="609504" y="500301"/>
-              <a:ext cx="671737" cy="1884249"/>
+              <a:off x="3034988" y="1299928"/>
+              <a:ext cx="806621" cy="2265116"/>
             </a:xfrm>
             <a:custGeom>
               <a:avLst/>
@@ -3490,7 +3490,11 @@
                 </a:path>
               </a:pathLst>
             </a:custGeom>
-            <a:grpFill/>
+            <a:solidFill>
+              <a:schemeClr val="bg1">
+                <a:lumMod val="95000"/>
+              </a:schemeClr>
+            </a:solidFill>
             <a:ln w="64889" cap="flat">
               <a:noFill/>
               <a:prstDash val="solid"/>
@@ -3524,8 +3528,8 @@
           </p:nvSpPr>
           <p:spPr>
             <a:xfrm>
-              <a:off x="1389193" y="0"/>
-              <a:ext cx="671737" cy="1884249"/>
+              <a:off x="3971238" y="698500"/>
+              <a:ext cx="806621" cy="2265116"/>
             </a:xfrm>
             <a:custGeom>
               <a:avLst/>
@@ -3589,7 +3593,11 @@
                 </a:path>
               </a:pathLst>
             </a:custGeom>
-            <a:grpFill/>
+            <a:solidFill>
+              <a:schemeClr val="bg1">
+                <a:lumMod val="95000"/>
+              </a:schemeClr>
+            </a:solidFill>
             <a:ln w="64889" cap="flat">
               <a:noFill/>
               <a:prstDash val="solid"/>
@@ -3623,8 +3631,8 @@
           </p:nvSpPr>
           <p:spPr>
             <a:xfrm>
-              <a:off x="3690529" y="1786789"/>
-              <a:ext cx="1377451" cy="1377451"/>
+              <a:off x="6734678" y="2846456"/>
+              <a:ext cx="1654041" cy="1655878"/>
             </a:xfrm>
             <a:custGeom>
               <a:avLst/>
@@ -3688,7 +3696,11 @@
                 </a:path>
               </a:pathLst>
             </a:custGeom>
-            <a:grpFill/>
+            <a:solidFill>
+              <a:schemeClr val="bg1">
+                <a:lumMod val="95000"/>
+              </a:schemeClr>
+            </a:solidFill>
             <a:ln w="64889" cap="flat">
               <a:noFill/>
               <a:prstDash val="solid"/>
@@ -3722,8 +3734,8 @@
           </p:nvSpPr>
           <p:spPr>
             <a:xfrm>
-              <a:off x="3793235" y="500301"/>
-              <a:ext cx="671737" cy="1884249"/>
+              <a:off x="6858007" y="1299928"/>
+              <a:ext cx="806621" cy="2265116"/>
             </a:xfrm>
             <a:custGeom>
               <a:avLst/>
@@ -3787,7 +3799,11 @@
                 </a:path>
               </a:pathLst>
             </a:custGeom>
-            <a:grpFill/>
+            <a:solidFill>
+              <a:schemeClr val="bg1">
+                <a:lumMod val="95000"/>
+              </a:schemeClr>
+            </a:solidFill>
             <a:ln w="64889" cap="flat">
               <a:noFill/>
               <a:prstDash val="solid"/>
@@ -3803,7 +3819,7 @@
             </a:bodyPr>
             <a:lstStyle/>
             <a:p>
-              <a:endParaRPr lang="en-US" sz="1579"/>
+              <a:endParaRPr lang="en-US" sz="1579" dirty="0"/>
             </a:p>
           </p:txBody>
         </p:sp>
@@ -3821,8 +3837,8 @@
           </p:nvSpPr>
           <p:spPr>
             <a:xfrm>
-              <a:off x="3013546" y="0"/>
-              <a:ext cx="671737" cy="1884249"/>
+              <a:off x="5921758" y="698500"/>
+              <a:ext cx="806621" cy="2265116"/>
             </a:xfrm>
             <a:custGeom>
               <a:avLst/>
@@ -3886,7 +3902,11 @@
                 </a:path>
               </a:pathLst>
             </a:custGeom>
-            <a:grpFill/>
+            <a:solidFill>
+              <a:schemeClr val="bg1">
+                <a:lumMod val="95000"/>
+              </a:schemeClr>
+            </a:solidFill>
             <a:ln w="64889" cap="flat">
               <a:noFill/>
               <a:prstDash val="solid"/>
@@ -3920,8 +3940,8 @@
           </p:nvSpPr>
           <p:spPr>
             <a:xfrm>
-              <a:off x="747202" y="3912331"/>
-              <a:ext cx="3586570" cy="1214127"/>
+              <a:off x="3200336" y="5401637"/>
+              <a:ext cx="4306747" cy="1459541"/>
             </a:xfrm>
             <a:custGeom>
               <a:avLst/>
@@ -4101,7 +4121,114 @@
                 </a:path>
               </a:pathLst>
             </a:custGeom>
-            <a:grpFill/>
+            <a:solidFill>
+              <a:schemeClr val="bg1">
+                <a:lumMod val="95000"/>
+              </a:schemeClr>
+            </a:solidFill>
+            <a:ln w="64889" cap="flat">
+              <a:noFill/>
+              <a:prstDash val="solid"/>
+              <a:miter/>
+            </a:ln>
+          </p:spPr>
+          <p:txBody>
+            <a:bodyPr rot="0" spcFirstLastPara="0" vert="horz" wrap="square" lIns="80189" tIns="40094" rIns="80189" bIns="40094" numCol="1" spcCol="0" rtlCol="0" fromWordArt="0" anchor="ctr" anchorCtr="0" forceAA="0" compatLnSpc="1">
+              <a:prstTxWarp prst="textNoShape">
+                <a:avLst/>
+              </a:prstTxWarp>
+              <a:noAutofit/>
+            </a:bodyPr>
+            <a:lstStyle/>
+            <a:p>
+              <a:endParaRPr lang="en-US" sz="1579"/>
+            </a:p>
+          </p:txBody>
+        </p:sp>
+        <p:sp>
+          <p:nvSpPr>
+            <p:cNvPr id="50" name="Freeform: Shape 49">
+              <a:extLst>
+                <a:ext uri="{FF2B5EF4-FFF2-40B4-BE49-F238E27FC236}">
+                  <a16:creationId xmlns:a16="http://schemas.microsoft.com/office/drawing/2014/main" id="{10834068-1D17-724D-278F-79C831CAC564}"/>
+                </a:ext>
+              </a:extLst>
+            </p:cNvPr>
+            <p:cNvSpPr/>
+            <p:nvPr/>
+          </p:nvSpPr>
+          <p:spPr>
+            <a:xfrm flipH="1">
+              <a:off x="6048092" y="4508639"/>
+              <a:ext cx="2262603" cy="807516"/>
+            </a:xfrm>
+            <a:custGeom>
+              <a:avLst/>
+              <a:gdLst>
+                <a:gd name="connsiteX0" fmla="*/ 1884249 w 1884249"/>
+                <a:gd name="connsiteY0" fmla="*/ 586019 h 671737"/>
+                <a:gd name="connsiteX1" fmla="*/ 1020094 w 1884249"/>
+                <a:gd name="connsiteY1" fmla="*/ 53231 h 671737"/>
+                <a:gd name="connsiteX2" fmla="*/ 0 w 1884249"/>
+                <a:gd name="connsiteY2" fmla="*/ 85718 h 671737"/>
+                <a:gd name="connsiteX3" fmla="*/ 864156 w 1884249"/>
+                <a:gd name="connsiteY3" fmla="*/ 618507 h 671737"/>
+                <a:gd name="connsiteX4" fmla="*/ 1884249 w 1884249"/>
+                <a:gd name="connsiteY4" fmla="*/ 586019 h 671737"/>
+              </a:gdLst>
+              <a:ahLst/>
+              <a:cxnLst>
+                <a:cxn ang="0">
+                  <a:pos x="connsiteX0" y="connsiteY0"/>
+                </a:cxn>
+                <a:cxn ang="0">
+                  <a:pos x="connsiteX1" y="connsiteY1"/>
+                </a:cxn>
+                <a:cxn ang="0">
+                  <a:pos x="connsiteX2" y="connsiteY2"/>
+                </a:cxn>
+                <a:cxn ang="0">
+                  <a:pos x="connsiteX3" y="connsiteY3"/>
+                </a:cxn>
+                <a:cxn ang="0">
+                  <a:pos x="connsiteX4" y="connsiteY4"/>
+                </a:cxn>
+              </a:cxnLst>
+              <a:rect l="l" t="t" r="r" b="b"/>
+              <a:pathLst>
+                <a:path w="1884249" h="671737">
+                  <a:moveTo>
+                    <a:pt x="1884249" y="586019"/>
+                  </a:moveTo>
+                  <a:cubicBezTo>
+                    <a:pt x="1884249" y="586019"/>
+                    <a:pt x="1539887" y="189677"/>
+                    <a:pt x="1020094" y="53231"/>
+                  </a:cubicBezTo>
+                  <a:cubicBezTo>
+                    <a:pt x="500301" y="-83214"/>
+                    <a:pt x="0" y="85718"/>
+                    <a:pt x="0" y="85718"/>
+                  </a:cubicBezTo>
+                  <a:cubicBezTo>
+                    <a:pt x="0" y="85718"/>
+                    <a:pt x="344363" y="482060"/>
+                    <a:pt x="864156" y="618507"/>
+                  </a:cubicBezTo>
+                  <a:cubicBezTo>
+                    <a:pt x="1383949" y="754952"/>
+                    <a:pt x="1884249" y="586019"/>
+                    <a:pt x="1884249" y="586019"/>
+                  </a:cubicBezTo>
+                  <a:close/>
+                </a:path>
+              </a:pathLst>
+            </a:custGeom>
+            <a:solidFill>
+              <a:schemeClr val="bg1">
+                <a:lumMod val="95000"/>
+              </a:schemeClr>
+            </a:solidFill>
             <a:ln w="64889" cap="flat">
               <a:noFill/>
               <a:prstDash val="solid"/>
@@ -4136,8 +4263,8 @@
         </p:nvSpPr>
         <p:spPr>
           <a:xfrm>
-            <a:off x="2995681" y="816453"/>
-            <a:ext cx="4700454" cy="699615"/>
+            <a:off x="2784579" y="816453"/>
+            <a:ext cx="4865179" cy="721736"/>
           </a:xfrm>
           <a:prstGeom prst="rect">
             <a:avLst/>
@@ -4159,7 +4286,7 @@
               </a:spcAft>
             </a:pPr>
             <a:r>
-              <a:rPr lang="en-US" sz="3859" kern="100" dirty="0">
+              <a:rPr lang="en-US" sz="4000" kern="100" dirty="0">
                 <a:solidFill>
                   <a:schemeClr val="accent4">
                     <a:lumMod val="60000"/>
@@ -4189,8 +4316,8 @@
         </p:nvSpPr>
         <p:spPr>
           <a:xfrm>
-            <a:off x="3832801" y="2826107"/>
-            <a:ext cx="3026213" cy="589136"/>
+            <a:off x="3685627" y="2826107"/>
+            <a:ext cx="3063083" cy="595932"/>
           </a:xfrm>
           <a:prstGeom prst="rect">
             <a:avLst/>
@@ -4212,7 +4339,7 @@
               </a:spcAft>
             </a:pPr>
             <a:r>
-              <a:rPr lang="en-US" sz="3157" kern="100" dirty="0">
+              <a:rPr lang="en-US" sz="3200" kern="100" dirty="0">
                 <a:latin typeface="Calibri" panose="020F0502020204030204" pitchFamily="34" charset="0"/>
                 <a:ea typeface="Calibri" panose="020F0502020204030204" pitchFamily="34" charset="0"/>
                 <a:cs typeface="Times New Roman" panose="02020603050405020304" pitchFamily="18" charset="0"/>
@@ -4236,8 +4363,8 @@
         </p:nvSpPr>
         <p:spPr>
           <a:xfrm>
-            <a:off x="3507202" y="4307631"/>
-            <a:ext cx="3705438" cy="578172"/>
+            <a:off x="3338064" y="4307631"/>
+            <a:ext cx="3758208" cy="584775"/>
           </a:xfrm>
           <a:prstGeom prst="rect">
             <a:avLst/>
@@ -4251,7 +4378,7 @@
           <a:lstStyle/>
           <a:p>
             <a:r>
-              <a:rPr lang="en-US" sz="3157" kern="100" dirty="0">
+              <a:rPr lang="en-US" sz="3200" kern="100" dirty="0">
                 <a:latin typeface="Calibri" panose="020F0502020204030204" pitchFamily="34" charset="0"/>
                 <a:ea typeface="Calibri" panose="020F0502020204030204" pitchFamily="34" charset="0"/>
                 <a:cs typeface="Times New Roman" panose="02020603050405020304" pitchFamily="18" charset="0"/>
@@ -4275,8 +4402,8 @@
         </p:nvSpPr>
         <p:spPr>
           <a:xfrm>
-            <a:off x="2612777" y="5333171"/>
-            <a:ext cx="5435014" cy="423642"/>
+            <a:off x="2626587" y="5015671"/>
+            <a:ext cx="5181162" cy="407035"/>
           </a:xfrm>
           <a:prstGeom prst="rect">
             <a:avLst/>
@@ -4298,16 +4425,7 @@
               </a:spcAft>
             </a:pPr>
             <a:r>
-              <a:rPr lang="en-US" sz="2105" kern="100" dirty="0">
-                <a:solidFill>
-                  <a:schemeClr val="bg1">
-                    <a:lumMod val="50000"/>
-                  </a:schemeClr>
-                </a:solidFill>
-                <a:latin typeface="Calibri" panose="020F0502020204030204" pitchFamily="34" charset="0"/>
-                <a:ea typeface="Calibri" panose="020F0502020204030204" pitchFamily="34" charset="0"/>
-                <a:cs typeface="Times New Roman" panose="02020603050405020304" pitchFamily="18" charset="0"/>
-              </a:rPr>
+              <a:rPr lang="en-US" sz="2000" dirty="0"/>
               <a:t>After successfully following IronHack bootcamp.</a:t>
             </a:r>
           </a:p>
@@ -4327,8 +4445,8 @@
         </p:nvSpPr>
         <p:spPr>
           <a:xfrm>
-            <a:off x="3573611" y="6906047"/>
-            <a:ext cx="3619773" cy="416268"/>
+            <a:off x="3164234" y="6906047"/>
+            <a:ext cx="4105868" cy="461665"/>
           </a:xfrm>
           <a:prstGeom prst="rect">
             <a:avLst/>
@@ -4342,7 +4460,7 @@
           <a:lstStyle/>
           <a:p>
             <a:r>
-              <a:rPr lang="en-US" sz="2105" b="1" kern="100" dirty="0">
+              <a:rPr lang="en-US" sz="2400" b="1" kern="100" dirty="0">
                 <a:solidFill>
                   <a:schemeClr val="tx1">
                     <a:lumMod val="65000"/>
@@ -4356,7 +4474,7 @@
               <a:t>8</a:t>
             </a:r>
             <a:r>
-              <a:rPr lang="en-US" sz="2105" b="1" kern="100" baseline="30000" dirty="0">
+              <a:rPr lang="en-US" sz="2400" b="1" kern="100" baseline="30000" dirty="0">
                 <a:solidFill>
                   <a:schemeClr val="tx1">
                     <a:lumMod val="65000"/>
@@ -4370,7 +4488,7 @@
               <a:t>th</a:t>
             </a:r>
             <a:r>
-              <a:rPr lang="en-US" sz="2105" b="1" kern="100" dirty="0">
+              <a:rPr lang="en-US" sz="2400" b="1" kern="100" dirty="0">
                 <a:solidFill>
                   <a:schemeClr val="tx1">
                     <a:lumMod val="65000"/>
@@ -4400,8 +4518,8 @@
         </p:nvSpPr>
         <p:spPr>
           <a:xfrm>
-            <a:off x="1170384" y="3491381"/>
-            <a:ext cx="8093569" cy="740203"/>
+            <a:off x="1170384" y="3480114"/>
+            <a:ext cx="8093569" cy="769441"/>
           </a:xfrm>
           <a:prstGeom prst="rect">
             <a:avLst/>
@@ -4416,7 +4534,7 @@
           <a:p>
             <a:pPr algn="ctr"/>
             <a:r>
-              <a:rPr lang="en-US" sz="4210" kern="100" dirty="0">
+              <a:rPr lang="en-US" sz="4400" kern="100" dirty="0">
                 <a:solidFill>
                   <a:srgbClr val="FFC000"/>
                 </a:solidFill>
